--- a/Programmers/DFS_BFS_Logic/게임 맵(최단거리유형).pptx
+++ b/Programmers/DFS_BFS_Logic/게임 맵(최단거리유형).pptx
@@ -118,7 +118,8 @@
 <file path=ppt/revisionInfo.xml><?xml version="1.0" encoding="utf-8"?>
 <p1510:revInfo xmlns:a="http://schemas.openxmlformats.org/drawingml/2006/main" xmlns:r="http://schemas.openxmlformats.org/officeDocument/2006/relationships" xmlns:p1510="http://schemas.microsoft.com/office/powerpoint/2015/10/main">
   <p1510:revLst>
-    <p1510:client id="{FE7DFA6D-FB96-4948-B384-978081445DB4}" v="444" dt="2023-10-15T23:50:24.297"/>
+    <p1510:client id="{D4F36083-3B84-4F00-917D-B26F63F086C5}" v="120" dt="2023-10-16T01:03:05.109"/>
+    <p1510:client id="{FE7DFA6D-FB96-4948-B384-978081445DB4}" v="453" dt="2023-10-16T00:18:56.373"/>
   </p1510:revLst>
 </p1510:revInfo>
 </file>
@@ -128,7 +129,7 @@
   <pc:docChgLst>
     <pc:chgData name="정 민혁" userId="22e50677fc4fee6d" providerId="Windows Live" clId="Web-{FE7DFA6D-FB96-4948-B384-978081445DB4}"/>
     <pc:docChg chg="addSld delSld modSld addMainMaster delMainMaster">
-      <pc:chgData name="정 민혁" userId="22e50677fc4fee6d" providerId="Windows Live" clId="Web-{FE7DFA6D-FB96-4948-B384-978081445DB4}" dt="2023-10-15T23:50:24.297" v="357" actId="20577"/>
+      <pc:chgData name="정 민혁" userId="22e50677fc4fee6d" providerId="Windows Live" clId="Web-{FE7DFA6D-FB96-4948-B384-978081445DB4}" dt="2023-10-16T00:18:55.341" v="361" actId="20577"/>
       <pc:docMkLst>
         <pc:docMk/>
       </pc:docMkLst>
@@ -140,7 +141,7 @@
         </pc:sldMkLst>
       </pc:sldChg>
       <pc:sldChg chg="addSp delSp modSp add mod modClrScheme chgLayout">
-        <pc:chgData name="정 민혁" userId="22e50677fc4fee6d" providerId="Windows Live" clId="Web-{FE7DFA6D-FB96-4948-B384-978081445DB4}" dt="2023-10-15T23:25:01.546" v="40" actId="20577"/>
+        <pc:chgData name="정 민혁" userId="22e50677fc4fee6d" providerId="Windows Live" clId="Web-{FE7DFA6D-FB96-4948-B384-978081445DB4}" dt="2023-10-16T00:18:55.341" v="361" actId="20577"/>
         <pc:sldMkLst>
           <pc:docMk/>
           <pc:sldMk cId="2058230323" sldId="257"/>
@@ -154,7 +155,7 @@
           </ac:spMkLst>
         </pc:spChg>
         <pc:spChg chg="add mod">
-          <ac:chgData name="정 민혁" userId="22e50677fc4fee6d" providerId="Windows Live" clId="Web-{FE7DFA6D-FB96-4948-B384-978081445DB4}" dt="2023-10-15T23:24:43.171" v="32" actId="20577"/>
+          <ac:chgData name="정 민혁" userId="22e50677fc4fee6d" providerId="Windows Live" clId="Web-{FE7DFA6D-FB96-4948-B384-978081445DB4}" dt="2023-10-16T00:18:55.341" v="361" actId="20577"/>
           <ac:spMkLst>
             <pc:docMk/>
             <pc:sldMk cId="2058230323" sldId="257"/>
@@ -867,6 +868,68 @@
           </pc:sldLayoutMkLst>
         </pc:sldLayoutChg>
       </pc:sldMasterChg>
+    </pc:docChg>
+  </pc:docChgLst>
+  <pc:docChgLst>
+    <pc:chgData name="정 민혁" userId="22e50677fc4fee6d" providerId="Windows Live" clId="Web-{D4F36083-3B84-4F00-917D-B26F63F086C5}"/>
+    <pc:docChg chg="addSld delSld modSld">
+      <pc:chgData name="정 민혁" userId="22e50677fc4fee6d" providerId="Windows Live" clId="Web-{D4F36083-3B84-4F00-917D-B26F63F086C5}" dt="2023-10-16T01:03:05.109" v="85"/>
+      <pc:docMkLst>
+        <pc:docMk/>
+      </pc:docMkLst>
+      <pc:sldChg chg="modSp">
+        <pc:chgData name="정 민혁" userId="22e50677fc4fee6d" providerId="Windows Live" clId="Web-{D4F36083-3B84-4F00-917D-B26F63F086C5}" dt="2023-10-16T01:02:43.405" v="73" actId="20577"/>
+        <pc:sldMkLst>
+          <pc:docMk/>
+          <pc:sldMk cId="1172679904" sldId="259"/>
+        </pc:sldMkLst>
+        <pc:spChg chg="mod">
+          <ac:chgData name="정 민혁" userId="22e50677fc4fee6d" providerId="Windows Live" clId="Web-{D4F36083-3B84-4F00-917D-B26F63F086C5}" dt="2023-10-16T01:02:43.405" v="73" actId="20577"/>
+          <ac:spMkLst>
+            <pc:docMk/>
+            <pc:sldMk cId="1172679904" sldId="259"/>
+            <ac:spMk id="8" creationId="{8C76A2C1-E6BB-FE2C-F8E3-D00FB82FCD03}"/>
+          </ac:spMkLst>
+        </pc:spChg>
+      </pc:sldChg>
+      <pc:sldChg chg="modSp">
+        <pc:chgData name="정 민혁" userId="22e50677fc4fee6d" providerId="Windows Live" clId="Web-{D4F36083-3B84-4F00-917D-B26F63F086C5}" dt="2023-10-16T01:03:03.312" v="84" actId="20577"/>
+        <pc:sldMkLst>
+          <pc:docMk/>
+          <pc:sldMk cId="2159224328" sldId="260"/>
+        </pc:sldMkLst>
+        <pc:spChg chg="mod">
+          <ac:chgData name="정 민혁" userId="22e50677fc4fee6d" providerId="Windows Live" clId="Web-{D4F36083-3B84-4F00-917D-B26F63F086C5}" dt="2023-10-16T01:03:03.312" v="84" actId="20577"/>
+          <ac:spMkLst>
+            <pc:docMk/>
+            <pc:sldMk cId="2159224328" sldId="260"/>
+            <ac:spMk id="8" creationId="{8C76A2C1-E6BB-FE2C-F8E3-D00FB82FCD03}"/>
+          </ac:spMkLst>
+        </pc:spChg>
+      </pc:sldChg>
+      <pc:sldChg chg="modSp new del">
+        <pc:chgData name="정 민혁" userId="22e50677fc4fee6d" providerId="Windows Live" clId="Web-{D4F36083-3B84-4F00-917D-B26F63F086C5}" dt="2023-10-16T01:03:05.109" v="85"/>
+        <pc:sldMkLst>
+          <pc:docMk/>
+          <pc:sldMk cId="386610651" sldId="261"/>
+        </pc:sldMkLst>
+        <pc:spChg chg="mod">
+          <ac:chgData name="정 민혁" userId="22e50677fc4fee6d" providerId="Windows Live" clId="Web-{D4F36083-3B84-4F00-917D-B26F63F086C5}" dt="2023-10-16T01:01:23.121" v="27" actId="20577"/>
+          <ac:spMkLst>
+            <pc:docMk/>
+            <pc:sldMk cId="386610651" sldId="261"/>
+            <ac:spMk id="2" creationId="{1A24BD3A-5C78-3A7D-C309-323098C7BDE5}"/>
+          </ac:spMkLst>
+        </pc:spChg>
+        <pc:spChg chg="mod">
+          <ac:chgData name="정 민혁" userId="22e50677fc4fee6d" providerId="Windows Live" clId="Web-{D4F36083-3B84-4F00-917D-B26F63F086C5}" dt="2023-10-16T01:02:11.748" v="56" actId="20577"/>
+          <ac:spMkLst>
+            <pc:docMk/>
+            <pc:sldMk cId="386610651" sldId="261"/>
+            <ac:spMk id="3" creationId="{22B41100-9BFA-D697-223D-3AE4B92A3D6C}"/>
+          </ac:spMkLst>
+        </pc:spChg>
+      </pc:sldChg>
     </pc:docChg>
   </pc:docChgLst>
 </pc:chgInfo>
@@ -892,6 +955,7 @@
           <inkml:channelProperty channel="OE" name="resolution" value="1000" units="1/deg"/>
         </inkml:channelProperties>
       </inkml:inkSource>
+      <inkml:timestamp xml:id="ts0" timeString="2023-10-16T00:18:26.684"/>
     </inkml:context>
     <inkml:brush xml:id="br0">
       <inkml:brushProperty name="width" value="0.1" units="cm"/>
@@ -923,6 +987,7 @@
           <inkml:channelProperty channel="OE" name="resolution" value="1000" units="1/deg"/>
         </inkml:channelProperties>
       </inkml:inkSource>
+      <inkml:timestamp xml:id="ts0" timeString="2023-10-16T00:18:23.997"/>
     </inkml:context>
     <inkml:brush xml:id="br0">
       <inkml:brushProperty name="width" value="0.1" units="cm"/>
@@ -954,6 +1019,7 @@
           <inkml:channelProperty channel="OE" name="resolution" value="1000" units="1/deg"/>
         </inkml:channelProperties>
       </inkml:inkSource>
+      <inkml:timestamp xml:id="ts0" timeString="2023-10-16T00:18:23.998"/>
     </inkml:context>
     <inkml:brush xml:id="br0">
       <inkml:brushProperty name="width" value="0.1" units="cm"/>
@@ -985,6 +1051,7 @@
           <inkml:channelProperty channel="OE" name="resolution" value="1000" units="1/deg"/>
         </inkml:channelProperties>
       </inkml:inkSource>
+      <inkml:timestamp xml:id="ts0" timeString="2023-10-16T00:18:23.999"/>
     </inkml:context>
     <inkml:brush xml:id="br0">
       <inkml:brushProperty name="width" value="0.1" units="cm"/>
@@ -1016,6 +1083,7 @@
           <inkml:channelProperty channel="OE" name="resolution" value="1000" units="1/deg"/>
         </inkml:channelProperties>
       </inkml:inkSource>
+      <inkml:timestamp xml:id="ts0" timeString="2023-10-16T00:18:24"/>
     </inkml:context>
     <inkml:brush xml:id="br0">
       <inkml:brushProperty name="width" value="0.1" units="cm"/>
@@ -1047,6 +1115,7 @@
           <inkml:channelProperty channel="OE" name="resolution" value="1000" units="1/deg"/>
         </inkml:channelProperties>
       </inkml:inkSource>
+      <inkml:timestamp xml:id="ts0" timeString="2023-10-16T00:18:24.001"/>
     </inkml:context>
     <inkml:brush xml:id="br0">
       <inkml:brushProperty name="width" value="0.1" units="cm"/>
@@ -1078,6 +1147,7 @@
           <inkml:channelProperty channel="OE" name="resolution" value="1000" units="1/deg"/>
         </inkml:channelProperties>
       </inkml:inkSource>
+      <inkml:timestamp xml:id="ts0" timeString="2023-10-16T00:18:24.002"/>
     </inkml:context>
     <inkml:brush xml:id="br0">
       <inkml:brushProperty name="width" value="0.1" units="cm"/>
@@ -1109,6 +1179,7 @@
           <inkml:channelProperty channel="OE" name="resolution" value="1000" units="1/deg"/>
         </inkml:channelProperties>
       </inkml:inkSource>
+      <inkml:timestamp xml:id="ts0" timeString="2023-10-16T00:18:24.003"/>
     </inkml:context>
     <inkml:brush xml:id="br0">
       <inkml:brushProperty name="width" value="0.1" units="cm"/>
@@ -1140,6 +1211,7 @@
           <inkml:channelProperty channel="OE" name="resolution" value="1000" units="1/deg"/>
         </inkml:channelProperties>
       </inkml:inkSource>
+      <inkml:timestamp xml:id="ts0" timeString="2023-10-16T00:18:24.004"/>
     </inkml:context>
     <inkml:brush xml:id="br0">
       <inkml:brushProperty name="width" value="0.1" units="cm"/>
@@ -1171,6 +1243,7 @@
           <inkml:channelProperty channel="OE" name="resolution" value="1000" units="1/deg"/>
         </inkml:channelProperties>
       </inkml:inkSource>
+      <inkml:timestamp xml:id="ts0" timeString="2023-10-16T00:18:24.005"/>
     </inkml:context>
     <inkml:brush xml:id="br0">
       <inkml:brushProperty name="width" value="0.1" units="cm"/>
@@ -1202,6 +1275,7 @@
           <inkml:channelProperty channel="OE" name="resolution" value="1000" units="1/deg"/>
         </inkml:channelProperties>
       </inkml:inkSource>
+      <inkml:timestamp xml:id="ts0" timeString="2023-10-16T00:18:24.006"/>
     </inkml:context>
     <inkml:brush xml:id="br0">
       <inkml:brushProperty name="width" value="0.1" units="cm"/>
@@ -1233,6 +1307,7 @@
           <inkml:channelProperty channel="OE" name="resolution" value="1000" units="1/deg"/>
         </inkml:channelProperties>
       </inkml:inkSource>
+      <inkml:timestamp xml:id="ts0" timeString="2023-10-16T00:18:26.685"/>
     </inkml:context>
     <inkml:brush xml:id="br0">
       <inkml:brushProperty name="width" value="0.1" units="cm"/>
@@ -1264,6 +1339,7 @@
           <inkml:channelProperty channel="OE" name="resolution" value="1000" units="1/deg"/>
         </inkml:channelProperties>
       </inkml:inkSource>
+      <inkml:timestamp xml:id="ts0" timeString="2023-10-16T00:18:24.007"/>
     </inkml:context>
     <inkml:brush xml:id="br0">
       <inkml:brushProperty name="width" value="0.1" units="cm"/>
@@ -1295,6 +1371,7 @@
           <inkml:channelProperty channel="OE" name="resolution" value="1000" units="1/deg"/>
         </inkml:channelProperties>
       </inkml:inkSource>
+      <inkml:timestamp xml:id="ts0" timeString="2023-10-16T00:18:24.008"/>
     </inkml:context>
     <inkml:brush xml:id="br0">
       <inkml:brushProperty name="width" value="0.1" units="cm"/>
@@ -1326,6 +1403,7 @@
           <inkml:channelProperty channel="OE" name="resolution" value="1000" units="1/deg"/>
         </inkml:channelProperties>
       </inkml:inkSource>
+      <inkml:timestamp xml:id="ts0" timeString="2023-10-16T00:18:24.009"/>
     </inkml:context>
     <inkml:brush xml:id="br0">
       <inkml:brushProperty name="width" value="0.1" units="cm"/>
@@ -1357,6 +1435,7 @@
           <inkml:channelProperty channel="OE" name="resolution" value="1000" units="1/deg"/>
         </inkml:channelProperties>
       </inkml:inkSource>
+      <inkml:timestamp xml:id="ts0" timeString="2023-10-16T00:18:26.686"/>
     </inkml:context>
     <inkml:brush xml:id="br0">
       <inkml:brushProperty name="width" value="0.1" units="cm"/>
@@ -1388,6 +1467,7 @@
           <inkml:channelProperty channel="OE" name="resolution" value="1000" units="1/deg"/>
         </inkml:channelProperties>
       </inkml:inkSource>
+      <inkml:timestamp xml:id="ts0" timeString="2023-10-16T00:18:23.981"/>
     </inkml:context>
     <inkml:brush xml:id="br0">
       <inkml:brushProperty name="width" value="0.1" units="cm"/>
@@ -1419,6 +1499,7 @@
           <inkml:channelProperty channel="OE" name="resolution" value="1000" units="1/deg"/>
         </inkml:channelProperties>
       </inkml:inkSource>
+      <inkml:timestamp xml:id="ts0" timeString="2023-10-16T00:18:23.982"/>
     </inkml:context>
     <inkml:brush xml:id="br0">
       <inkml:brushProperty name="width" value="0.1" units="cm"/>
@@ -1450,6 +1531,7 @@
           <inkml:channelProperty channel="OE" name="resolution" value="1000" units="1/deg"/>
         </inkml:channelProperties>
       </inkml:inkSource>
+      <inkml:timestamp xml:id="ts0" timeString="2023-10-16T00:18:23.983"/>
     </inkml:context>
     <inkml:brush xml:id="br0">
       <inkml:brushProperty name="width" value="0.1" units="cm"/>
@@ -1481,6 +1563,7 @@
           <inkml:channelProperty channel="OE" name="resolution" value="1000" units="1/deg"/>
         </inkml:channelProperties>
       </inkml:inkSource>
+      <inkml:timestamp xml:id="ts0" timeString="2023-10-16T00:18:23.984"/>
     </inkml:context>
     <inkml:brush xml:id="br0">
       <inkml:brushProperty name="width" value="0.1" units="cm"/>
@@ -1512,6 +1595,7 @@
           <inkml:channelProperty channel="OE" name="resolution" value="1000" units="1/deg"/>
         </inkml:channelProperties>
       </inkml:inkSource>
+      <inkml:timestamp xml:id="ts0" timeString="2023-10-16T00:18:23.985"/>
     </inkml:context>
     <inkml:brush xml:id="br0">
       <inkml:brushProperty name="width" value="0.1" units="cm"/>
@@ -1543,6 +1627,7 @@
           <inkml:channelProperty channel="OE" name="resolution" value="1000" units="1/deg"/>
         </inkml:channelProperties>
       </inkml:inkSource>
+      <inkml:timestamp xml:id="ts0" timeString="2023-10-16T00:18:23.986"/>
     </inkml:context>
     <inkml:brush xml:id="br0">
       <inkml:brushProperty name="width" value="0.1" units="cm"/>
@@ -6075,7 +6160,7 @@
                 <a:ea typeface="맑은 고딕"/>
                 <a:cs typeface="Arial"/>
               </a:rPr>
-              <a:t>최단거리 </a:t>
+              <a:t>최단거리 유형</a:t>
             </a:r>
           </a:p>
           <a:p>
@@ -6692,8 +6777,8 @@
           </a:graphicData>
         </a:graphic>
       </p:graphicFrame>
-      <mc:AlternateContent xmlns:mc="http://schemas.openxmlformats.org/markup-compatibility/2006">
-        <mc:Choice xmlns:p14="http://schemas.microsoft.com/office/powerpoint/2010/main" Requires="p14">
+      <mc:AlternateContent xmlns:mc="http://schemas.openxmlformats.org/markup-compatibility/2006" xmlns:p14="http://schemas.microsoft.com/office/powerpoint/2010/main">
+        <mc:Choice Requires="p14">
           <p:contentPart p14:bwMode="auto" r:id="rId2">
             <p14:nvContentPartPr>
               <p14:cNvPr id="5" name="잉크 4">
@@ -6712,7 +6797,7 @@
             </p14:xfrm>
           </p:contentPart>
         </mc:Choice>
-        <mc:Fallback>
+        <mc:Fallback xmlns="">
           <p:pic>
             <p:nvPicPr>
               <p:cNvPr id="5" name="잉크 4">
@@ -6743,8 +6828,8 @@
           </p:pic>
         </mc:Fallback>
       </mc:AlternateContent>
-      <mc:AlternateContent xmlns:mc="http://schemas.openxmlformats.org/markup-compatibility/2006">
-        <mc:Choice xmlns:p14="http://schemas.microsoft.com/office/powerpoint/2010/main" Requires="p14">
+      <mc:AlternateContent xmlns:mc="http://schemas.openxmlformats.org/markup-compatibility/2006" xmlns:p14="http://schemas.microsoft.com/office/powerpoint/2010/main">
+        <mc:Choice Requires="p14">
           <p:contentPart p14:bwMode="auto" r:id="rId4">
             <p14:nvContentPartPr>
               <p14:cNvPr id="6" name="잉크 5">
@@ -6763,7 +6848,7 @@
             </p14:xfrm>
           </p:contentPart>
         </mc:Choice>
-        <mc:Fallback>
+        <mc:Fallback xmlns="">
           <p:pic>
             <p:nvPicPr>
               <p:cNvPr id="6" name="잉크 5">
@@ -6794,8 +6879,8 @@
           </p:pic>
         </mc:Fallback>
       </mc:AlternateContent>
-      <mc:AlternateContent xmlns:mc="http://schemas.openxmlformats.org/markup-compatibility/2006">
-        <mc:Choice xmlns:p14="http://schemas.microsoft.com/office/powerpoint/2010/main" Requires="p14">
+      <mc:AlternateContent xmlns:mc="http://schemas.openxmlformats.org/markup-compatibility/2006" xmlns:p14="http://schemas.microsoft.com/office/powerpoint/2010/main">
+        <mc:Choice Requires="p14">
           <p:contentPart p14:bwMode="auto" r:id="rId6">
             <p14:nvContentPartPr>
               <p14:cNvPr id="7" name="잉크 6">
@@ -6814,7 +6899,7 @@
             </p14:xfrm>
           </p:contentPart>
         </mc:Choice>
-        <mc:Fallback>
+        <mc:Fallback xmlns="">
           <p:pic>
             <p:nvPicPr>
               <p:cNvPr id="7" name="잉크 6">
@@ -6860,7 +6945,7 @@
         <p:spPr>
           <a:xfrm>
             <a:off x="2734235" y="829234"/>
-            <a:ext cx="6914029" cy="646331"/>
+            <a:ext cx="6914029" cy="369332"/>
           </a:xfrm>
           <a:prstGeom prst="rect">
             <a:avLst/>
@@ -6881,65 +6966,7 @@
                 <a:ea typeface="맑은 고딕"/>
                 <a:cs typeface="Arial"/>
               </a:rPr>
-              <a:t>방문한 노드인지를 나타내는 </a:t>
-            </a:r>
-            <a:r>
-              <a:rPr lang="ko-KR" altLang="en-US" dirty="0" err="1">
-                <a:ea typeface="맑은 고딕"/>
-                <a:cs typeface="Arial"/>
-              </a:rPr>
-              <a:t>Bool</a:t>
-            </a:r>
-            <a:r>
-              <a:rPr lang="ko-KR" altLang="en-US" dirty="0">
-                <a:ea typeface="맑은 고딕"/>
-                <a:cs typeface="Arial"/>
-              </a:rPr>
-              <a:t> </a:t>
-            </a:r>
-            <a:r>
-              <a:rPr lang="ko-KR" altLang="en-US" dirty="0" err="1">
-                <a:ea typeface="맑은 고딕"/>
-                <a:cs typeface="Arial"/>
-              </a:rPr>
-              <a:t>Visited</a:t>
-            </a:r>
-            <a:r>
-              <a:rPr lang="ko-KR" altLang="en-US" dirty="0">
-                <a:ea typeface="맑은 고딕"/>
-                <a:cs typeface="Arial"/>
-              </a:rPr>
-              <a:t> </a:t>
-            </a:r>
-            <a:r>
-              <a:rPr lang="ko-KR" altLang="en-US" dirty="0" err="1">
-                <a:ea typeface="맑은 고딕"/>
-                <a:cs typeface="Arial"/>
-              </a:rPr>
-              <a:t>를</a:t>
-            </a:r>
-            <a:r>
-              <a:rPr lang="ko-KR" altLang="en-US" dirty="0">
-                <a:ea typeface="맑은 고딕"/>
-                <a:cs typeface="Arial"/>
-              </a:rPr>
-              <a:t> 통해</a:t>
-            </a:r>
-          </a:p>
-          <a:p>
-            <a:r>
-              <a:rPr lang="ko-KR" altLang="en-US" dirty="0">
-                <a:ea typeface="맑은 고딕"/>
-                <a:cs typeface="Arial"/>
-              </a:rPr>
-              <a:t>방문하지 않은 노드를 제외하고 탐색하며 끝까지 </a:t>
-            </a:r>
-            <a:r>
-              <a:rPr lang="ko-KR" altLang="en-US" dirty="0" err="1">
-                <a:ea typeface="맑은 고딕"/>
-                <a:cs typeface="Arial"/>
-              </a:rPr>
-              <a:t>추적하는방식</a:t>
+              <a:t>재귀함수를 통해 끝까지 추적하는 방식</a:t>
             </a:r>
           </a:p>
         </p:txBody>
@@ -7346,7 +7373,7 @@
         <p:spPr>
           <a:xfrm>
             <a:off x="2734235" y="829234"/>
-            <a:ext cx="6914029" cy="369332"/>
+            <a:ext cx="6914029" cy="400110"/>
           </a:xfrm>
           <a:prstGeom prst="rect">
             <a:avLst/>
@@ -7363,17 +7390,46 @@
           <a:lstStyle/>
           <a:p>
             <a:r>
-              <a:rPr lang="ko-KR" altLang="en-US" dirty="0">
+              <a:rPr lang="ko-KR" sz="2000" dirty="0" err="1">
                 <a:ea typeface="맑은 고딕"/>
                 <a:cs typeface="Arial"/>
               </a:rPr>
-              <a:t>전에 방문했던 노드에서 1을 추가하며 거리를 측정</a:t>
-            </a:r>
+              <a:t>Pair</a:t>
+            </a:r>
+            <a:r>
+              <a:rPr lang="ko-KR" sz="2000" dirty="0">
+                <a:ea typeface="맑은 고딕"/>
+                <a:cs typeface="Arial"/>
+              </a:rPr>
+              <a:t>&lt;</a:t>
+            </a:r>
+            <a:r>
+              <a:rPr lang="ko-KR" sz="2000" dirty="0" err="1">
+                <a:ea typeface="맑은 고딕"/>
+                <a:cs typeface="Arial"/>
+              </a:rPr>
+              <a:t>row,column</a:t>
+            </a:r>
+            <a:r>
+              <a:rPr lang="ko-KR" sz="2000" dirty="0">
+                <a:ea typeface="맑은 고딕"/>
+                <a:cs typeface="Arial"/>
+              </a:rPr>
+              <a:t>&gt;을 이용하여</a:t>
+            </a:r>
+            <a:r>
+              <a:rPr lang="ko-KR" altLang="en-US" sz="2000" dirty="0">
+                <a:ea typeface="맑은 고딕"/>
+                <a:cs typeface="Arial"/>
+              </a:rPr>
+              <a:t> 수평적으로 거리를 측정</a:t>
+            </a:r>
+            <a:endParaRPr lang="ko-KR" dirty="0"/>
           </a:p>
         </p:txBody>
       </p:sp>
-      <mc:AlternateContent xmlns:mc="http://schemas.openxmlformats.org/markup-compatibility/2006">
-        <mc:Choice xmlns:p14="http://schemas.microsoft.com/office/powerpoint/2010/main" Requires="p14">
+      <mc:AlternateContent xmlns:mc="http://schemas.openxmlformats.org/markup-compatibility/2006" xmlns:p14="http://schemas.microsoft.com/office/powerpoint/2010/main">
+        <mc:Choice Requires="p14">
           <p:contentPart p14:bwMode="auto" r:id="rId2">
             <p14:nvContentPartPr>
               <p14:cNvPr id="2" name="잉크 1">
@@ -7392,7 +7448,7 @@
             </p14:xfrm>
           </p:contentPart>
         </mc:Choice>
-        <mc:Fallback>
+        <mc:Fallback xmlns="">
           <p:pic>
             <p:nvPicPr>
               <p:cNvPr id="2" name="잉크 1">
@@ -7423,8 +7479,8 @@
           </p:pic>
         </mc:Fallback>
       </mc:AlternateContent>
-      <mc:AlternateContent xmlns:mc="http://schemas.openxmlformats.org/markup-compatibility/2006">
-        <mc:Choice xmlns:p14="http://schemas.microsoft.com/office/powerpoint/2010/main" Requires="p14">
+      <mc:AlternateContent xmlns:mc="http://schemas.openxmlformats.org/markup-compatibility/2006" xmlns:p14="http://schemas.microsoft.com/office/powerpoint/2010/main">
+        <mc:Choice Requires="p14">
           <p:contentPart p14:bwMode="auto" r:id="rId4">
             <p14:nvContentPartPr>
               <p14:cNvPr id="3" name="잉크 2">
@@ -7443,7 +7499,7 @@
             </p14:xfrm>
           </p:contentPart>
         </mc:Choice>
-        <mc:Fallback>
+        <mc:Fallback xmlns="">
           <p:pic>
             <p:nvPicPr>
               <p:cNvPr id="3" name="잉크 2">
@@ -7474,8 +7530,8 @@
           </p:pic>
         </mc:Fallback>
       </mc:AlternateContent>
-      <mc:AlternateContent xmlns:mc="http://schemas.openxmlformats.org/markup-compatibility/2006">
-        <mc:Choice xmlns:p14="http://schemas.microsoft.com/office/powerpoint/2010/main" Requires="p14">
+      <mc:AlternateContent xmlns:mc="http://schemas.openxmlformats.org/markup-compatibility/2006" xmlns:p14="http://schemas.microsoft.com/office/powerpoint/2010/main">
+        <mc:Choice Requires="p14">
           <p:contentPart p14:bwMode="auto" r:id="rId6">
             <p14:nvContentPartPr>
               <p14:cNvPr id="9" name="잉크 8">
@@ -7494,7 +7550,7 @@
             </p14:xfrm>
           </p:contentPart>
         </mc:Choice>
-        <mc:Fallback>
+        <mc:Fallback xmlns="">
           <p:pic>
             <p:nvPicPr>
               <p:cNvPr id="9" name="잉크 8">
@@ -7525,8 +7581,8 @@
           </p:pic>
         </mc:Fallback>
       </mc:AlternateContent>
-      <mc:AlternateContent xmlns:mc="http://schemas.openxmlformats.org/markup-compatibility/2006">
-        <mc:Choice xmlns:p14="http://schemas.microsoft.com/office/powerpoint/2010/main" Requires="p14">
+      <mc:AlternateContent xmlns:mc="http://schemas.openxmlformats.org/markup-compatibility/2006" xmlns:p14="http://schemas.microsoft.com/office/powerpoint/2010/main">
+        <mc:Choice Requires="p14">
           <p:contentPart p14:bwMode="auto" r:id="rId8">
             <p14:nvContentPartPr>
               <p14:cNvPr id="10" name="잉크 9">
@@ -7545,7 +7601,7 @@
             </p14:xfrm>
           </p:contentPart>
         </mc:Choice>
-        <mc:Fallback>
+        <mc:Fallback xmlns="">
           <p:pic>
             <p:nvPicPr>
               <p:cNvPr id="10" name="잉크 9">
@@ -7576,8 +7632,8 @@
           </p:pic>
         </mc:Fallback>
       </mc:AlternateContent>
-      <mc:AlternateContent xmlns:mc="http://schemas.openxmlformats.org/markup-compatibility/2006">
-        <mc:Choice xmlns:p14="http://schemas.microsoft.com/office/powerpoint/2010/main" Requires="p14">
+      <mc:AlternateContent xmlns:mc="http://schemas.openxmlformats.org/markup-compatibility/2006" xmlns:p14="http://schemas.microsoft.com/office/powerpoint/2010/main">
+        <mc:Choice Requires="p14">
           <p:contentPart p14:bwMode="auto" r:id="rId10">
             <p14:nvContentPartPr>
               <p14:cNvPr id="11" name="잉크 10">
@@ -7596,7 +7652,7 @@
             </p14:xfrm>
           </p:contentPart>
         </mc:Choice>
-        <mc:Fallback>
+        <mc:Fallback xmlns="">
           <p:pic>
             <p:nvPicPr>
               <p:cNvPr id="11" name="잉크 10">
@@ -7627,8 +7683,8 @@
           </p:pic>
         </mc:Fallback>
       </mc:AlternateContent>
-      <mc:AlternateContent xmlns:mc="http://schemas.openxmlformats.org/markup-compatibility/2006">
-        <mc:Choice xmlns:p14="http://schemas.microsoft.com/office/powerpoint/2010/main" Requires="p14">
+      <mc:AlternateContent xmlns:mc="http://schemas.openxmlformats.org/markup-compatibility/2006" xmlns:p14="http://schemas.microsoft.com/office/powerpoint/2010/main">
+        <mc:Choice Requires="p14">
           <p:contentPart p14:bwMode="auto" r:id="rId12">
             <p14:nvContentPartPr>
               <p14:cNvPr id="12" name="잉크 11">
@@ -7647,7 +7703,7 @@
             </p14:xfrm>
           </p:contentPart>
         </mc:Choice>
-        <mc:Fallback>
+        <mc:Fallback xmlns="">
           <p:pic>
             <p:nvPicPr>
               <p:cNvPr id="12" name="잉크 11">
@@ -7678,8 +7734,8 @@
           </p:pic>
         </mc:Fallback>
       </mc:AlternateContent>
-      <mc:AlternateContent xmlns:mc="http://schemas.openxmlformats.org/markup-compatibility/2006">
-        <mc:Choice xmlns:p14="http://schemas.microsoft.com/office/powerpoint/2010/main" Requires="p14">
+      <mc:AlternateContent xmlns:mc="http://schemas.openxmlformats.org/markup-compatibility/2006" xmlns:p14="http://schemas.microsoft.com/office/powerpoint/2010/main">
+        <mc:Choice Requires="p14">
           <p:contentPart p14:bwMode="auto" r:id="rId14">
             <p14:nvContentPartPr>
               <p14:cNvPr id="13" name="잉크 12">
@@ -7698,7 +7754,7 @@
             </p14:xfrm>
           </p:contentPart>
         </mc:Choice>
-        <mc:Fallback>
+        <mc:Fallback xmlns="">
           <p:pic>
             <p:nvPicPr>
               <p:cNvPr id="13" name="잉크 12">
@@ -7729,8 +7785,8 @@
           </p:pic>
         </mc:Fallback>
       </mc:AlternateContent>
-      <mc:AlternateContent xmlns:mc="http://schemas.openxmlformats.org/markup-compatibility/2006">
-        <mc:Choice xmlns:p14="http://schemas.microsoft.com/office/powerpoint/2010/main" Requires="p14">
+      <mc:AlternateContent xmlns:mc="http://schemas.openxmlformats.org/markup-compatibility/2006" xmlns:p14="http://schemas.microsoft.com/office/powerpoint/2010/main">
+        <mc:Choice Requires="p14">
           <p:contentPart p14:bwMode="auto" r:id="rId16">
             <p14:nvContentPartPr>
               <p14:cNvPr id="14" name="잉크 13">
@@ -7749,7 +7805,7 @@
             </p14:xfrm>
           </p:contentPart>
         </mc:Choice>
-        <mc:Fallback>
+        <mc:Fallback xmlns="">
           <p:pic>
             <p:nvPicPr>
               <p:cNvPr id="14" name="잉크 13">
@@ -7780,8 +7836,8 @@
           </p:pic>
         </mc:Fallback>
       </mc:AlternateContent>
-      <mc:AlternateContent xmlns:mc="http://schemas.openxmlformats.org/markup-compatibility/2006">
-        <mc:Choice xmlns:p14="http://schemas.microsoft.com/office/powerpoint/2010/main" Requires="p14">
+      <mc:AlternateContent xmlns:mc="http://schemas.openxmlformats.org/markup-compatibility/2006" xmlns:p14="http://schemas.microsoft.com/office/powerpoint/2010/main">
+        <mc:Choice Requires="p14">
           <p:contentPart p14:bwMode="auto" r:id="rId18">
             <p14:nvContentPartPr>
               <p14:cNvPr id="15" name="잉크 14">
@@ -7800,7 +7856,7 @@
             </p14:xfrm>
           </p:contentPart>
         </mc:Choice>
-        <mc:Fallback>
+        <mc:Fallback xmlns="">
           <p:pic>
             <p:nvPicPr>
               <p:cNvPr id="15" name="잉크 14">
@@ -7831,8 +7887,8 @@
           </p:pic>
         </mc:Fallback>
       </mc:AlternateContent>
-      <mc:AlternateContent xmlns:mc="http://schemas.openxmlformats.org/markup-compatibility/2006">
-        <mc:Choice xmlns:p14="http://schemas.microsoft.com/office/powerpoint/2010/main" Requires="p14">
+      <mc:AlternateContent xmlns:mc="http://schemas.openxmlformats.org/markup-compatibility/2006" xmlns:p14="http://schemas.microsoft.com/office/powerpoint/2010/main">
+        <mc:Choice Requires="p14">
           <p:contentPart p14:bwMode="auto" r:id="rId20">
             <p14:nvContentPartPr>
               <p14:cNvPr id="16" name="잉크 15">
@@ -7851,7 +7907,7 @@
             </p14:xfrm>
           </p:contentPart>
         </mc:Choice>
-        <mc:Fallback>
+        <mc:Fallback xmlns="">
           <p:pic>
             <p:nvPicPr>
               <p:cNvPr id="16" name="잉크 15">
@@ -7882,8 +7938,8 @@
           </p:pic>
         </mc:Fallback>
       </mc:AlternateContent>
-      <mc:AlternateContent xmlns:mc="http://schemas.openxmlformats.org/markup-compatibility/2006">
-        <mc:Choice xmlns:p14="http://schemas.microsoft.com/office/powerpoint/2010/main" Requires="p14">
+      <mc:AlternateContent xmlns:mc="http://schemas.openxmlformats.org/markup-compatibility/2006" xmlns:p14="http://schemas.microsoft.com/office/powerpoint/2010/main">
+        <mc:Choice Requires="p14">
           <p:contentPart p14:bwMode="auto" r:id="rId22">
             <p14:nvContentPartPr>
               <p14:cNvPr id="17" name="잉크 16">
@@ -7902,7 +7958,7 @@
             </p14:xfrm>
           </p:contentPart>
         </mc:Choice>
-        <mc:Fallback>
+        <mc:Fallback xmlns="">
           <p:pic>
             <p:nvPicPr>
               <p:cNvPr id="17" name="잉크 16">
@@ -7933,8 +7989,8 @@
           </p:pic>
         </mc:Fallback>
       </mc:AlternateContent>
-      <mc:AlternateContent xmlns:mc="http://schemas.openxmlformats.org/markup-compatibility/2006">
-        <mc:Choice xmlns:p14="http://schemas.microsoft.com/office/powerpoint/2010/main" Requires="p14">
+      <mc:AlternateContent xmlns:mc="http://schemas.openxmlformats.org/markup-compatibility/2006" xmlns:p14="http://schemas.microsoft.com/office/powerpoint/2010/main">
+        <mc:Choice Requires="p14">
           <p:contentPart p14:bwMode="auto" r:id="rId24">
             <p14:nvContentPartPr>
               <p14:cNvPr id="19" name="잉크 18">
@@ -7953,7 +8009,7 @@
             </p14:xfrm>
           </p:contentPart>
         </mc:Choice>
-        <mc:Fallback>
+        <mc:Fallback xmlns="">
           <p:pic>
             <p:nvPicPr>
               <p:cNvPr id="19" name="잉크 18">
@@ -7984,8 +8040,8 @@
           </p:pic>
         </mc:Fallback>
       </mc:AlternateContent>
-      <mc:AlternateContent xmlns:mc="http://schemas.openxmlformats.org/markup-compatibility/2006">
-        <mc:Choice xmlns:p14="http://schemas.microsoft.com/office/powerpoint/2010/main" Requires="p14">
+      <mc:AlternateContent xmlns:mc="http://schemas.openxmlformats.org/markup-compatibility/2006" xmlns:p14="http://schemas.microsoft.com/office/powerpoint/2010/main">
+        <mc:Choice Requires="p14">
           <p:contentPart p14:bwMode="auto" r:id="rId26">
             <p14:nvContentPartPr>
               <p14:cNvPr id="20" name="잉크 19">
@@ -8004,7 +8060,7 @@
             </p14:xfrm>
           </p:contentPart>
         </mc:Choice>
-        <mc:Fallback>
+        <mc:Fallback xmlns="">
           <p:pic>
             <p:nvPicPr>
               <p:cNvPr id="20" name="잉크 19">
@@ -8035,8 +8091,8 @@
           </p:pic>
         </mc:Fallback>
       </mc:AlternateContent>
-      <mc:AlternateContent xmlns:mc="http://schemas.openxmlformats.org/markup-compatibility/2006">
-        <mc:Choice xmlns:p14="http://schemas.microsoft.com/office/powerpoint/2010/main" Requires="p14">
+      <mc:AlternateContent xmlns:mc="http://schemas.openxmlformats.org/markup-compatibility/2006" xmlns:p14="http://schemas.microsoft.com/office/powerpoint/2010/main">
+        <mc:Choice Requires="p14">
           <p:contentPart p14:bwMode="auto" r:id="rId28">
             <p14:nvContentPartPr>
               <p14:cNvPr id="21" name="잉크 20">
@@ -8055,7 +8111,7 @@
             </p14:xfrm>
           </p:contentPart>
         </mc:Choice>
-        <mc:Fallback>
+        <mc:Fallback xmlns="">
           <p:pic>
             <p:nvPicPr>
               <p:cNvPr id="21" name="잉크 20">
@@ -8086,8 +8142,8 @@
           </p:pic>
         </mc:Fallback>
       </mc:AlternateContent>
-      <mc:AlternateContent xmlns:mc="http://schemas.openxmlformats.org/markup-compatibility/2006">
-        <mc:Choice xmlns:p14="http://schemas.microsoft.com/office/powerpoint/2010/main" Requires="p14">
+      <mc:AlternateContent xmlns:mc="http://schemas.openxmlformats.org/markup-compatibility/2006" xmlns:p14="http://schemas.microsoft.com/office/powerpoint/2010/main">
+        <mc:Choice Requires="p14">
           <p:contentPart p14:bwMode="auto" r:id="rId30">
             <p14:nvContentPartPr>
               <p14:cNvPr id="22" name="잉크 21">
@@ -8106,7 +8162,7 @@
             </p14:xfrm>
           </p:contentPart>
         </mc:Choice>
-        <mc:Fallback>
+        <mc:Fallback xmlns="">
           <p:pic>
             <p:nvPicPr>
               <p:cNvPr id="22" name="잉크 21">
@@ -8137,8 +8193,8 @@
           </p:pic>
         </mc:Fallback>
       </mc:AlternateContent>
-      <mc:AlternateContent xmlns:mc="http://schemas.openxmlformats.org/markup-compatibility/2006">
-        <mc:Choice xmlns:p14="http://schemas.microsoft.com/office/powerpoint/2010/main" Requires="p14">
+      <mc:AlternateContent xmlns:mc="http://schemas.openxmlformats.org/markup-compatibility/2006" xmlns:p14="http://schemas.microsoft.com/office/powerpoint/2010/main">
+        <mc:Choice Requires="p14">
           <p:contentPart p14:bwMode="auto" r:id="rId32">
             <p14:nvContentPartPr>
               <p14:cNvPr id="23" name="잉크 22">
@@ -8157,7 +8213,7 @@
             </p14:xfrm>
           </p:contentPart>
         </mc:Choice>
-        <mc:Fallback>
+        <mc:Fallback xmlns="">
           <p:pic>
             <p:nvPicPr>
               <p:cNvPr id="23" name="잉크 22">
@@ -8188,8 +8244,8 @@
           </p:pic>
         </mc:Fallback>
       </mc:AlternateContent>
-      <mc:AlternateContent xmlns:mc="http://schemas.openxmlformats.org/markup-compatibility/2006">
-        <mc:Choice xmlns:p14="http://schemas.microsoft.com/office/powerpoint/2010/main" Requires="p14">
+      <mc:AlternateContent xmlns:mc="http://schemas.openxmlformats.org/markup-compatibility/2006" xmlns:p14="http://schemas.microsoft.com/office/powerpoint/2010/main">
+        <mc:Choice Requires="p14">
           <p:contentPart p14:bwMode="auto" r:id="rId34">
             <p14:nvContentPartPr>
               <p14:cNvPr id="24" name="잉크 23">
@@ -8208,7 +8264,7 @@
             </p14:xfrm>
           </p:contentPart>
         </mc:Choice>
-        <mc:Fallback>
+        <mc:Fallback xmlns="">
           <p:pic>
             <p:nvPicPr>
               <p:cNvPr id="24" name="잉크 23">
@@ -8239,8 +8295,8 @@
           </p:pic>
         </mc:Fallback>
       </mc:AlternateContent>
-      <mc:AlternateContent xmlns:mc="http://schemas.openxmlformats.org/markup-compatibility/2006">
-        <mc:Choice xmlns:p14="http://schemas.microsoft.com/office/powerpoint/2010/main" Requires="p14">
+      <mc:AlternateContent xmlns:mc="http://schemas.openxmlformats.org/markup-compatibility/2006" xmlns:p14="http://schemas.microsoft.com/office/powerpoint/2010/main">
+        <mc:Choice Requires="p14">
           <p:contentPart p14:bwMode="auto" r:id="rId36">
             <p14:nvContentPartPr>
               <p14:cNvPr id="25" name="잉크 24">
@@ -8259,7 +8315,7 @@
             </p14:xfrm>
           </p:contentPart>
         </mc:Choice>
-        <mc:Fallback>
+        <mc:Fallback xmlns="">
           <p:pic>
             <p:nvPicPr>
               <p:cNvPr id="25" name="잉크 24">
@@ -8290,8 +8346,8 @@
           </p:pic>
         </mc:Fallback>
       </mc:AlternateContent>
-      <mc:AlternateContent xmlns:mc="http://schemas.openxmlformats.org/markup-compatibility/2006">
-        <mc:Choice xmlns:p14="http://schemas.microsoft.com/office/powerpoint/2010/main" Requires="p14">
+      <mc:AlternateContent xmlns:mc="http://schemas.openxmlformats.org/markup-compatibility/2006" xmlns:p14="http://schemas.microsoft.com/office/powerpoint/2010/main">
+        <mc:Choice Requires="p14">
           <p:contentPart p14:bwMode="auto" r:id="rId38">
             <p14:nvContentPartPr>
               <p14:cNvPr id="26" name="잉크 25">
@@ -8310,7 +8366,7 @@
             </p14:xfrm>
           </p:contentPart>
         </mc:Choice>
-        <mc:Fallback>
+        <mc:Fallback xmlns="">
           <p:pic>
             <p:nvPicPr>
               <p:cNvPr id="26" name="잉크 25">
